--- a/12.05.2018 Marmara Blockchain Day/NEO Blokzinciri.pptx
+++ b/12.05.2018 Marmara Blockchain Day/NEO Blokzinciri.pptx
@@ -5,7 +5,7 @@
     <p:sldMasterId id="2147483648" r:id="rId2"/>
   </p:sldMasterIdLst>
   <p:notesMasterIdLst>
-    <p:notesMasterId r:id="rId24"/>
+    <p:notesMasterId r:id="rId28"/>
   </p:notesMasterIdLst>
   <p:sldIdLst>
     <p:sldId id="256" r:id="rId3"/>
@@ -29,6 +29,10 @@
     <p:sldId id="331" r:id="rId21"/>
     <p:sldId id="332" r:id="rId22"/>
     <p:sldId id="334" r:id="rId23"/>
+    <p:sldId id="335" r:id="rId24"/>
+    <p:sldId id="336" r:id="rId25"/>
+    <p:sldId id="337" r:id="rId26"/>
+    <p:sldId id="338" r:id="rId27"/>
   </p:sldIdLst>
   <p:sldSz cx="12192000" cy="6858000"/>
   <p:notesSz cx="6858000" cy="9144000"/>
@@ -232,7 +236,7 @@
           <a:p>
             <a:fld id="{8C96CAC6-5EE5-4DF8-BED8-337C55BC9982}" type="datetimeFigureOut">
               <a:rPr lang="en-CA" smtClean="0"/>
-              <a:t>2018-05-10</a:t>
+              <a:t>2018-05-11</a:t>
             </a:fld>
             <a:endParaRPr lang="en-CA"/>
           </a:p>
@@ -1667,6 +1671,342 @@
     <p:extLst>
       <p:ext uri="{BB962C8B-B14F-4D97-AF65-F5344CB8AC3E}">
         <p14:creationId xmlns:p14="http://schemas.microsoft.com/office/powerpoint/2010/main" val="378541721"/>
+      </p:ext>
+    </p:extLst>
+  </p:cSld>
+  <p:clrMapOvr>
+    <a:masterClrMapping/>
+  </p:clrMapOvr>
+</p:notes>
+</file>
+
+<file path=ppt/notesSlides/notesSlide22.xml><?xml version="1.0" encoding="utf-8"?>
+<p:notes xmlns:a="http://schemas.openxmlformats.org/drawingml/2006/main" xmlns:r="http://schemas.openxmlformats.org/officeDocument/2006/relationships" xmlns:p="http://schemas.openxmlformats.org/presentationml/2006/main">
+  <p:cSld>
+    <p:spTree>
+      <p:nvGrpSpPr>
+        <p:cNvPr id="1" name=""/>
+        <p:cNvGrpSpPr/>
+        <p:nvPr/>
+      </p:nvGrpSpPr>
+      <p:grpSpPr>
+        <a:xfrm>
+          <a:off x="0" y="0"/>
+          <a:ext cx="0" cy="0"/>
+          <a:chOff x="0" y="0"/>
+          <a:chExt cx="0" cy="0"/>
+        </a:xfrm>
+      </p:grpSpPr>
+      <p:sp>
+        <p:nvSpPr>
+          <p:cNvPr id="2" name="Slide Image Placeholder 1"/>
+          <p:cNvSpPr>
+            <a:spLocks noGrp="1" noRot="1" noChangeAspect="1"/>
+          </p:cNvSpPr>
+          <p:nvPr>
+            <p:ph type="sldImg"/>
+          </p:nvPr>
+        </p:nvSpPr>
+        <p:spPr/>
+      </p:sp>
+      <p:sp>
+        <p:nvSpPr>
+          <p:cNvPr id="3" name="Notes Placeholder 2"/>
+          <p:cNvSpPr>
+            <a:spLocks noGrp="1"/>
+          </p:cNvSpPr>
+          <p:nvPr>
+            <p:ph type="body" idx="1"/>
+          </p:nvPr>
+        </p:nvSpPr>
+        <p:spPr/>
+        <p:txBody>
+          <a:bodyPr/>
+          <a:lstStyle/>
+          <a:p>
+            <a:endParaRPr lang="tr-TR"/>
+          </a:p>
+        </p:txBody>
+      </p:sp>
+      <p:sp>
+        <p:nvSpPr>
+          <p:cNvPr id="4" name="Slide Number Placeholder 3"/>
+          <p:cNvSpPr>
+            <a:spLocks noGrp="1"/>
+          </p:cNvSpPr>
+          <p:nvPr>
+            <p:ph type="sldNum" sz="quarter" idx="10"/>
+          </p:nvPr>
+        </p:nvSpPr>
+        <p:spPr/>
+        <p:txBody>
+          <a:bodyPr/>
+          <a:lstStyle/>
+          <a:p>
+            <a:fld id="{593252E7-3980-480E-A649-7AA5BEB95C47}" type="slidenum">
+              <a:rPr lang="en-CA" smtClean="0"/>
+              <a:t>22</a:t>
+            </a:fld>
+            <a:endParaRPr lang="en-CA"/>
+          </a:p>
+        </p:txBody>
+      </p:sp>
+    </p:spTree>
+    <p:extLst>
+      <p:ext uri="{BB962C8B-B14F-4D97-AF65-F5344CB8AC3E}">
+        <p14:creationId xmlns:p14="http://schemas.microsoft.com/office/powerpoint/2010/main" val="735587871"/>
+      </p:ext>
+    </p:extLst>
+  </p:cSld>
+  <p:clrMapOvr>
+    <a:masterClrMapping/>
+  </p:clrMapOvr>
+</p:notes>
+</file>
+
+<file path=ppt/notesSlides/notesSlide23.xml><?xml version="1.0" encoding="utf-8"?>
+<p:notes xmlns:a="http://schemas.openxmlformats.org/drawingml/2006/main" xmlns:r="http://schemas.openxmlformats.org/officeDocument/2006/relationships" xmlns:p="http://schemas.openxmlformats.org/presentationml/2006/main">
+  <p:cSld>
+    <p:spTree>
+      <p:nvGrpSpPr>
+        <p:cNvPr id="1" name=""/>
+        <p:cNvGrpSpPr/>
+        <p:nvPr/>
+      </p:nvGrpSpPr>
+      <p:grpSpPr>
+        <a:xfrm>
+          <a:off x="0" y="0"/>
+          <a:ext cx="0" cy="0"/>
+          <a:chOff x="0" y="0"/>
+          <a:chExt cx="0" cy="0"/>
+        </a:xfrm>
+      </p:grpSpPr>
+      <p:sp>
+        <p:nvSpPr>
+          <p:cNvPr id="2" name="Slide Image Placeholder 1"/>
+          <p:cNvSpPr>
+            <a:spLocks noGrp="1" noRot="1" noChangeAspect="1"/>
+          </p:cNvSpPr>
+          <p:nvPr>
+            <p:ph type="sldImg"/>
+          </p:nvPr>
+        </p:nvSpPr>
+        <p:spPr/>
+      </p:sp>
+      <p:sp>
+        <p:nvSpPr>
+          <p:cNvPr id="3" name="Notes Placeholder 2"/>
+          <p:cNvSpPr>
+            <a:spLocks noGrp="1"/>
+          </p:cNvSpPr>
+          <p:nvPr>
+            <p:ph type="body" idx="1"/>
+          </p:nvPr>
+        </p:nvSpPr>
+        <p:spPr/>
+        <p:txBody>
+          <a:bodyPr/>
+          <a:lstStyle/>
+          <a:p>
+            <a:endParaRPr lang="tr-TR"/>
+          </a:p>
+        </p:txBody>
+      </p:sp>
+      <p:sp>
+        <p:nvSpPr>
+          <p:cNvPr id="4" name="Slide Number Placeholder 3"/>
+          <p:cNvSpPr>
+            <a:spLocks noGrp="1"/>
+          </p:cNvSpPr>
+          <p:nvPr>
+            <p:ph type="sldNum" sz="quarter" idx="10"/>
+          </p:nvPr>
+        </p:nvSpPr>
+        <p:spPr/>
+        <p:txBody>
+          <a:bodyPr/>
+          <a:lstStyle/>
+          <a:p>
+            <a:fld id="{593252E7-3980-480E-A649-7AA5BEB95C47}" type="slidenum">
+              <a:rPr lang="en-CA" smtClean="0"/>
+              <a:t>23</a:t>
+            </a:fld>
+            <a:endParaRPr lang="en-CA"/>
+          </a:p>
+        </p:txBody>
+      </p:sp>
+    </p:spTree>
+    <p:extLst>
+      <p:ext uri="{BB962C8B-B14F-4D97-AF65-F5344CB8AC3E}">
+        <p14:creationId xmlns:p14="http://schemas.microsoft.com/office/powerpoint/2010/main" val="2457611890"/>
+      </p:ext>
+    </p:extLst>
+  </p:cSld>
+  <p:clrMapOvr>
+    <a:masterClrMapping/>
+  </p:clrMapOvr>
+</p:notes>
+</file>
+
+<file path=ppt/notesSlides/notesSlide24.xml><?xml version="1.0" encoding="utf-8"?>
+<p:notes xmlns:a="http://schemas.openxmlformats.org/drawingml/2006/main" xmlns:r="http://schemas.openxmlformats.org/officeDocument/2006/relationships" xmlns:p="http://schemas.openxmlformats.org/presentationml/2006/main">
+  <p:cSld>
+    <p:spTree>
+      <p:nvGrpSpPr>
+        <p:cNvPr id="1" name=""/>
+        <p:cNvGrpSpPr/>
+        <p:nvPr/>
+      </p:nvGrpSpPr>
+      <p:grpSpPr>
+        <a:xfrm>
+          <a:off x="0" y="0"/>
+          <a:ext cx="0" cy="0"/>
+          <a:chOff x="0" y="0"/>
+          <a:chExt cx="0" cy="0"/>
+        </a:xfrm>
+      </p:grpSpPr>
+      <p:sp>
+        <p:nvSpPr>
+          <p:cNvPr id="2" name="Slide Image Placeholder 1"/>
+          <p:cNvSpPr>
+            <a:spLocks noGrp="1" noRot="1" noChangeAspect="1"/>
+          </p:cNvSpPr>
+          <p:nvPr>
+            <p:ph type="sldImg"/>
+          </p:nvPr>
+        </p:nvSpPr>
+        <p:spPr/>
+      </p:sp>
+      <p:sp>
+        <p:nvSpPr>
+          <p:cNvPr id="3" name="Notes Placeholder 2"/>
+          <p:cNvSpPr>
+            <a:spLocks noGrp="1"/>
+          </p:cNvSpPr>
+          <p:nvPr>
+            <p:ph type="body" idx="1"/>
+          </p:nvPr>
+        </p:nvSpPr>
+        <p:spPr/>
+        <p:txBody>
+          <a:bodyPr/>
+          <a:lstStyle/>
+          <a:p>
+            <a:endParaRPr lang="tr-TR"/>
+          </a:p>
+        </p:txBody>
+      </p:sp>
+      <p:sp>
+        <p:nvSpPr>
+          <p:cNvPr id="4" name="Slide Number Placeholder 3"/>
+          <p:cNvSpPr>
+            <a:spLocks noGrp="1"/>
+          </p:cNvSpPr>
+          <p:nvPr>
+            <p:ph type="sldNum" sz="quarter" idx="10"/>
+          </p:nvPr>
+        </p:nvSpPr>
+        <p:spPr/>
+        <p:txBody>
+          <a:bodyPr/>
+          <a:lstStyle/>
+          <a:p>
+            <a:fld id="{593252E7-3980-480E-A649-7AA5BEB95C47}" type="slidenum">
+              <a:rPr lang="en-CA" smtClean="0"/>
+              <a:t>24</a:t>
+            </a:fld>
+            <a:endParaRPr lang="en-CA"/>
+          </a:p>
+        </p:txBody>
+      </p:sp>
+    </p:spTree>
+    <p:extLst>
+      <p:ext uri="{BB962C8B-B14F-4D97-AF65-F5344CB8AC3E}">
+        <p14:creationId xmlns:p14="http://schemas.microsoft.com/office/powerpoint/2010/main" val="522629677"/>
+      </p:ext>
+    </p:extLst>
+  </p:cSld>
+  <p:clrMapOvr>
+    <a:masterClrMapping/>
+  </p:clrMapOvr>
+</p:notes>
+</file>
+
+<file path=ppt/notesSlides/notesSlide25.xml><?xml version="1.0" encoding="utf-8"?>
+<p:notes xmlns:a="http://schemas.openxmlformats.org/drawingml/2006/main" xmlns:r="http://schemas.openxmlformats.org/officeDocument/2006/relationships" xmlns:p="http://schemas.openxmlformats.org/presentationml/2006/main">
+  <p:cSld>
+    <p:spTree>
+      <p:nvGrpSpPr>
+        <p:cNvPr id="1" name=""/>
+        <p:cNvGrpSpPr/>
+        <p:nvPr/>
+      </p:nvGrpSpPr>
+      <p:grpSpPr>
+        <a:xfrm>
+          <a:off x="0" y="0"/>
+          <a:ext cx="0" cy="0"/>
+          <a:chOff x="0" y="0"/>
+          <a:chExt cx="0" cy="0"/>
+        </a:xfrm>
+      </p:grpSpPr>
+      <p:sp>
+        <p:nvSpPr>
+          <p:cNvPr id="2" name="Slide Image Placeholder 1"/>
+          <p:cNvSpPr>
+            <a:spLocks noGrp="1" noRot="1" noChangeAspect="1"/>
+          </p:cNvSpPr>
+          <p:nvPr>
+            <p:ph type="sldImg"/>
+          </p:nvPr>
+        </p:nvSpPr>
+        <p:spPr/>
+      </p:sp>
+      <p:sp>
+        <p:nvSpPr>
+          <p:cNvPr id="3" name="Notes Placeholder 2"/>
+          <p:cNvSpPr>
+            <a:spLocks noGrp="1"/>
+          </p:cNvSpPr>
+          <p:nvPr>
+            <p:ph type="body" idx="1"/>
+          </p:nvPr>
+        </p:nvSpPr>
+        <p:spPr/>
+        <p:txBody>
+          <a:bodyPr/>
+          <a:lstStyle/>
+          <a:p>
+            <a:endParaRPr lang="tr-TR"/>
+          </a:p>
+        </p:txBody>
+      </p:sp>
+      <p:sp>
+        <p:nvSpPr>
+          <p:cNvPr id="4" name="Slide Number Placeholder 3"/>
+          <p:cNvSpPr>
+            <a:spLocks noGrp="1"/>
+          </p:cNvSpPr>
+          <p:nvPr>
+            <p:ph type="sldNum" sz="quarter" idx="10"/>
+          </p:nvPr>
+        </p:nvSpPr>
+        <p:spPr/>
+        <p:txBody>
+          <a:bodyPr/>
+          <a:lstStyle/>
+          <a:p>
+            <a:fld id="{593252E7-3980-480E-A649-7AA5BEB95C47}" type="slidenum">
+              <a:rPr lang="en-CA" smtClean="0"/>
+              <a:t>25</a:t>
+            </a:fld>
+            <a:endParaRPr lang="en-CA"/>
+          </a:p>
+        </p:txBody>
+      </p:sp>
+    </p:spTree>
+    <p:extLst>
+      <p:ext uri="{BB962C8B-B14F-4D97-AF65-F5344CB8AC3E}">
+        <p14:creationId xmlns:p14="http://schemas.microsoft.com/office/powerpoint/2010/main" val="4102737735"/>
       </p:ext>
     </p:extLst>
   </p:cSld>
@@ -8238,11 +8578,6 @@
               </a:rPr>
               <a:t>NEO Mutabakat Algoritması</a:t>
             </a:r>
-            <a:endParaRPr lang="en-CA">
-              <a:solidFill>
-                <a:srgbClr val="90C226"/>
-              </a:solidFill>
-            </a:endParaRPr>
           </a:p>
         </p:txBody>
       </p:sp>
@@ -8511,11 +8846,7 @@
             <a:pPr lvl="1"/>
             <a:r>
               <a:rPr lang="en-US"/>
-              <a:t>PoS benzeri bir system sunar; NEO sahipleri ellerindeki NEO oranınca oy </a:t>
-            </a:r>
-            <a:r>
-              <a:rPr lang="en-US"/>
-              <a:t>hakkına </a:t>
+              <a:t>PoS benzeri bir system sunar; NEO sahipleri ellerindeki NEO oranınca oy hakkına </a:t>
             </a:r>
             <a:r>
               <a:rPr lang="en-US" smtClean="0"/>
@@ -8679,11 +9010,6 @@
               </a:rPr>
               <a:t>NEO Mutabakat Algoritması</a:t>
             </a:r>
-            <a:endParaRPr lang="en-CA">
-              <a:solidFill>
-                <a:srgbClr val="90C226"/>
-              </a:solidFill>
-            </a:endParaRPr>
           </a:p>
         </p:txBody>
       </p:sp>
@@ -9379,15 +9705,7 @@
             <a:pPr lvl="2"/>
             <a:r>
               <a:rPr lang="it-IT" smtClean="0"/>
-              <a:t>NEO </a:t>
-            </a:r>
-            <a:r>
-              <a:rPr lang="it-IT" smtClean="0"/>
-              <a:t>Virtual </a:t>
-            </a:r>
-            <a:r>
-              <a:rPr lang="it-IT" smtClean="0"/>
-              <a:t>Machine; </a:t>
+              <a:t>NEO Virtual Machine; </a:t>
             </a:r>
             <a:br>
               <a:rPr lang="it-IT" smtClean="0"/>
@@ -9396,17 +9714,12 @@
               <a:rPr lang="it-IT" smtClean="0"/>
               <a:t>Kontrat kodunu yürütür. JVM ve .Net Runtime benzeri. </a:t>
             </a:r>
-            <a:endParaRPr lang="it-IT" smtClean="0"/>
           </a:p>
           <a:p>
             <a:pPr lvl="2"/>
             <a:r>
               <a:rPr lang="it-IT" smtClean="0"/>
-              <a:t>Interop </a:t>
-            </a:r>
-            <a:r>
-              <a:rPr lang="it-IT" smtClean="0"/>
-              <a:t>Services; </a:t>
+              <a:t>Interop Services; </a:t>
             </a:r>
             <a:br>
               <a:rPr lang="it-IT" smtClean="0"/>
@@ -9415,17 +9728,12 @@
               <a:rPr lang="it-IT" smtClean="0"/>
               <a:t>Blokzincire erişmek, depolama alanlarını kullanmak gibi işlemlerde kullanılır.</a:t>
             </a:r>
-            <a:endParaRPr lang="it-IT" smtClean="0"/>
           </a:p>
           <a:p>
             <a:pPr lvl="2"/>
             <a:r>
               <a:rPr lang="it-IT" smtClean="0"/>
-              <a:t>Development Tools &amp; </a:t>
-            </a:r>
-            <a:r>
-              <a:rPr lang="it-IT" smtClean="0"/>
-              <a:t>IDEs; </a:t>
+              <a:t>Development Tools &amp; IDEs; </a:t>
             </a:r>
             <a:br>
               <a:rPr lang="it-IT" smtClean="0"/>
@@ -9434,7 +9742,6 @@
               <a:rPr lang="it-IT" smtClean="0"/>
               <a:t>Derleyiciler .Net ve Java kodunu NeoVM komut dizelerine çevirir. </a:t>
             </a:r>
-            <a:endParaRPr lang="it-IT" smtClean="0"/>
           </a:p>
           <a:p>
             <a:pPr lvl="3"/>
@@ -11718,7 +12025,6 @@
               <a:rPr lang="it-IT" smtClean="0"/>
               <a:t>Uyumlu kontratlar üzerindeki tokenlar borsalar tarafından erişilebilir, cüzdanlardan transferi yapılabilir. </a:t>
             </a:r>
-            <a:endParaRPr lang="it-IT" smtClean="0"/>
           </a:p>
         </p:txBody>
       </p:sp>
@@ -12351,7 +12657,15 @@
                   <a:srgbClr val="90C226"/>
                 </a:solidFill>
               </a:rPr>
-              <a:t>Akıllı Kontratların Yayınlanması – NEO GUI</a:t>
+              <a:t>Akıllı Kontratların Yayınlanması – </a:t>
+            </a:r>
+            <a:r>
+              <a:rPr lang="en-CA" smtClean="0">
+                <a:solidFill>
+                  <a:srgbClr val="90C226"/>
+                </a:solidFill>
+              </a:rPr>
+              <a:t>Test Net </a:t>
             </a:r>
             <a:endParaRPr lang="en-CA">
               <a:solidFill>
@@ -12619,8 +12933,17 @@
             <a:pPr lvl="1"/>
             <a:r>
               <a:rPr lang="it-IT" smtClean="0"/>
-              <a:t>Akıllı kontrat yayınlamak için gerekli olan ücret 500 GAS.</a:t>
-            </a:r>
+              <a:t>Akıllı kontrat yayınlamak için gerekli olan ücret 500 </a:t>
+            </a:r>
+            <a:r>
+              <a:rPr lang="it-IT" smtClean="0"/>
+              <a:t>GAS,</a:t>
+            </a:r>
+            <a:r>
+              <a:rPr lang="it-IT" smtClean="0"/>
+              <a:t> artı kullanım ücretleri</a:t>
+            </a:r>
+            <a:endParaRPr lang="it-IT" smtClean="0"/>
           </a:p>
           <a:p>
             <a:pPr lvl="1"/>
@@ -12633,7 +12956,11 @@
             <a:pPr lvl="1"/>
             <a:r>
               <a:rPr lang="it-IT" smtClean="0"/>
-              <a:t>NEO TestNet ve CoZ TestNet ağları kullanılabilir. </a:t>
+              <a:t>Geliştirmeler için NEO </a:t>
+            </a:r>
+            <a:r>
+              <a:rPr lang="it-IT" smtClean="0"/>
+              <a:t>TestNet ve CoZ TestNet ağları kullanılabilir. </a:t>
             </a:r>
           </a:p>
           <a:p>
@@ -12646,13 +12973,7 @@
               <a:rPr lang="it-IT">
                 <a:hlinkClick r:id="rId3"/>
               </a:rPr>
-              <a:t>https</a:t>
-            </a:r>
-            <a:r>
-              <a:rPr lang="it-IT">
-                <a:hlinkClick r:id="rId3"/>
-              </a:rPr>
-              <a:t>://</a:t>
+              <a:t>https://</a:t>
             </a:r>
             <a:r>
               <a:rPr lang="it-IT" smtClean="0">
@@ -12664,14 +12985,1417 @@
           </a:p>
           <a:p>
             <a:pPr lvl="1"/>
+            <a:r>
+              <a:rPr lang="it-IT" smtClean="0"/>
+              <a:t>NEO ve GAS’lar test ağı üzerindeki cüzdanınıza gönderilir.</a:t>
+            </a:r>
             <a:endParaRPr lang="it-IT" smtClean="0"/>
           </a:p>
-        </p:txBody>
-      </p:sp>
+          <a:p>
+            <a:pPr lvl="1"/>
+            <a:endParaRPr lang="it-IT" smtClean="0"/>
+          </a:p>
+        </p:txBody>
+      </p:sp>
+      <p:pic>
+        <p:nvPicPr>
+          <p:cNvPr id="5" name="Picture 4"/>
+          <p:cNvPicPr>
+            <a:picLocks noChangeAspect="1"/>
+          </p:cNvPicPr>
+          <p:nvPr/>
+        </p:nvPicPr>
+        <p:blipFill rotWithShape="1">
+          <a:blip r:embed="rId4">
+            <a:extLst>
+              <a:ext uri="{28A0092B-C50C-407E-A947-70E740481C1C}">
+                <a14:useLocalDpi xmlns:a14="http://schemas.microsoft.com/office/drawing/2010/main" val="0"/>
+              </a:ext>
+            </a:extLst>
+          </a:blip>
+          <a:srcRect t="11221" b="30631"/>
+          <a:stretch/>
+        </p:blipFill>
+        <p:spPr>
+          <a:xfrm>
+            <a:off x="1228263" y="3662157"/>
+            <a:ext cx="4270838" cy="3076933"/>
+          </a:xfrm>
+          <a:prstGeom prst="rect">
+            <a:avLst/>
+          </a:prstGeom>
+        </p:spPr>
+      </p:pic>
+      <p:pic>
+        <p:nvPicPr>
+          <p:cNvPr id="6" name="Picture 5"/>
+          <p:cNvPicPr>
+            <a:picLocks noChangeAspect="1"/>
+          </p:cNvPicPr>
+          <p:nvPr/>
+        </p:nvPicPr>
+        <p:blipFill>
+          <a:blip r:embed="rId5">
+            <a:extLst>
+              <a:ext uri="{28A0092B-C50C-407E-A947-70E740481C1C}">
+                <a14:useLocalDpi xmlns:a14="http://schemas.microsoft.com/office/drawing/2010/main" val="0"/>
+              </a:ext>
+            </a:extLst>
+          </a:blip>
+          <a:stretch>
+            <a:fillRect/>
+          </a:stretch>
+        </p:blipFill>
+        <p:spPr>
+          <a:xfrm>
+            <a:off x="5735419" y="3662157"/>
+            <a:ext cx="5880197" cy="3076933"/>
+          </a:xfrm>
+          <a:prstGeom prst="rect">
+            <a:avLst/>
+          </a:prstGeom>
+        </p:spPr>
+      </p:pic>
     </p:spTree>
     <p:extLst>
       <p:ext uri="{BB962C8B-B14F-4D97-AF65-F5344CB8AC3E}">
         <p14:creationId xmlns:p14="http://schemas.microsoft.com/office/powerpoint/2010/main" val="1666770514"/>
+      </p:ext>
+    </p:extLst>
+  </p:cSld>
+  <p:clrMapOvr>
+    <a:masterClrMapping/>
+  </p:clrMapOvr>
+  <mc:AlternateContent xmlns:mc="http://schemas.openxmlformats.org/markup-compatibility/2006" xmlns:p14="http://schemas.microsoft.com/office/powerpoint/2010/main">
+    <mc:Choice Requires="p14">
+      <p:transition spd="med" p14:dur="700">
+        <p:fade/>
+      </p:transition>
+    </mc:Choice>
+    <mc:Fallback xmlns="">
+      <p:transition spd="med">
+        <p:fade/>
+      </p:transition>
+    </mc:Fallback>
+  </mc:AlternateContent>
+  <p:timing>
+    <p:tnLst>
+      <p:par>
+        <p:cTn id="1" dur="indefinite" restart="never" nodeType="tmRoot"/>
+      </p:par>
+    </p:tnLst>
+  </p:timing>
+</p:sld>
+</file>
+
+<file path=ppt/slides/slide22.xml><?xml version="1.0" encoding="utf-8"?>
+<p:sld xmlns:a="http://schemas.openxmlformats.org/drawingml/2006/main" xmlns:r="http://schemas.openxmlformats.org/officeDocument/2006/relationships" xmlns:p="http://schemas.openxmlformats.org/presentationml/2006/main">
+  <p:cSld>
+    <p:spTree>
+      <p:nvGrpSpPr>
+        <p:cNvPr id="1" name=""/>
+        <p:cNvGrpSpPr/>
+        <p:nvPr/>
+      </p:nvGrpSpPr>
+      <p:grpSpPr>
+        <a:xfrm>
+          <a:off x="0" y="0"/>
+          <a:ext cx="0" cy="0"/>
+          <a:chOff x="0" y="0"/>
+          <a:chExt cx="0" cy="0"/>
+        </a:xfrm>
+      </p:grpSpPr>
+      <p:sp>
+        <p:nvSpPr>
+          <p:cNvPr id="3" name="Title 2">
+            <a:extLst>
+              <a:ext uri="{FF2B5EF4-FFF2-40B4-BE49-F238E27FC236}">
+                <a16:creationId xmlns:a16="http://schemas.microsoft.com/office/drawing/2014/main" id="{EA211189-7E86-4A7E-9C06-FD71B2F449B5}"/>
+              </a:ext>
+            </a:extLst>
+          </p:cNvPr>
+          <p:cNvSpPr>
+            <a:spLocks noGrp="1"/>
+          </p:cNvSpPr>
+          <p:nvPr>
+            <p:ph type="title"/>
+          </p:nvPr>
+        </p:nvSpPr>
+        <p:spPr>
+          <a:xfrm>
+            <a:off x="677334" y="609600"/>
+            <a:ext cx="11209866" cy="1320800"/>
+          </a:xfrm>
+        </p:spPr>
+        <p:txBody>
+          <a:bodyPr/>
+          <a:lstStyle/>
+          <a:p>
+            <a:r>
+              <a:rPr lang="en-CA">
+                <a:solidFill>
+                  <a:srgbClr val="90C226"/>
+                </a:solidFill>
+              </a:rPr>
+              <a:t>Akıllı </a:t>
+            </a:r>
+            <a:r>
+              <a:rPr lang="en-CA" smtClean="0">
+                <a:solidFill>
+                  <a:srgbClr val="90C226"/>
+                </a:solidFill>
+              </a:rPr>
+              <a:t>Kontraların </a:t>
+            </a:r>
+            <a:r>
+              <a:rPr lang="en-CA">
+                <a:solidFill>
+                  <a:srgbClr val="90C226"/>
+                </a:solidFill>
+              </a:rPr>
+              <a:t>Yayınlanması – </a:t>
+            </a:r>
+            <a:r>
+              <a:rPr lang="en-CA" smtClean="0">
+                <a:solidFill>
+                  <a:srgbClr val="90C226"/>
+                </a:solidFill>
+              </a:rPr>
+              <a:t>Özel Ağ </a:t>
+            </a:r>
+            <a:endParaRPr lang="en-CA">
+              <a:solidFill>
+                <a:srgbClr val="90C226"/>
+              </a:solidFill>
+            </a:endParaRPr>
+          </a:p>
+        </p:txBody>
+      </p:sp>
+      <p:sp>
+        <p:nvSpPr>
+          <p:cNvPr id="15" name="Content Placeholder 2">
+            <a:extLst>
+              <a:ext uri="{FF2B5EF4-FFF2-40B4-BE49-F238E27FC236}">
+                <a16:creationId xmlns:a16="http://schemas.microsoft.com/office/drawing/2014/main" id="{7019A0A9-E403-4795-9F88-DB86835D1E73}"/>
+              </a:ext>
+            </a:extLst>
+          </p:cNvPr>
+          <p:cNvSpPr txBox="1">
+            <a:spLocks/>
+          </p:cNvSpPr>
+          <p:nvPr/>
+        </p:nvSpPr>
+        <p:spPr>
+          <a:xfrm>
+            <a:off x="677334" y="1801907"/>
+            <a:ext cx="10116172" cy="4239456"/>
+          </a:xfrm>
+          <a:prstGeom prst="rect">
+            <a:avLst/>
+          </a:prstGeom>
+        </p:spPr>
+        <p:txBody>
+          <a:bodyPr>
+            <a:normAutofit/>
+          </a:bodyPr>
+          <a:lstStyle>
+            <a:lvl1pPr marL="342900" indent="-342900" algn="l" defTabSz="457200" rtl="0" eaLnBrk="1" latinLnBrk="0" hangingPunct="1">
+              <a:spcBef>
+                <a:spcPts val="1000"/>
+              </a:spcBef>
+              <a:spcAft>
+                <a:spcPts val="0"/>
+              </a:spcAft>
+              <a:buClr>
+                <a:schemeClr val="accent1"/>
+              </a:buClr>
+              <a:buSzPct val="80000"/>
+              <a:buFont typeface="Wingdings 3" charset="2"/>
+              <a:buChar char=""/>
+              <a:defRPr sz="1800" kern="1200">
+                <a:solidFill>
+                  <a:schemeClr val="tx1">
+                    <a:lumMod val="75000"/>
+                    <a:lumOff val="25000"/>
+                  </a:schemeClr>
+                </a:solidFill>
+                <a:latin typeface="+mn-lt"/>
+                <a:ea typeface="+mn-ea"/>
+                <a:cs typeface="+mn-cs"/>
+              </a:defRPr>
+            </a:lvl1pPr>
+            <a:lvl2pPr marL="742950" indent="-285750" algn="l" defTabSz="457200" rtl="0" eaLnBrk="1" latinLnBrk="0" hangingPunct="1">
+              <a:spcBef>
+                <a:spcPts val="1000"/>
+              </a:spcBef>
+              <a:spcAft>
+                <a:spcPts val="0"/>
+              </a:spcAft>
+              <a:buClr>
+                <a:schemeClr val="accent1"/>
+              </a:buClr>
+              <a:buSzPct val="80000"/>
+              <a:buFont typeface="Wingdings 3" charset="2"/>
+              <a:buChar char=""/>
+              <a:defRPr sz="1600" kern="1200">
+                <a:solidFill>
+                  <a:schemeClr val="tx1">
+                    <a:lumMod val="75000"/>
+                    <a:lumOff val="25000"/>
+                  </a:schemeClr>
+                </a:solidFill>
+                <a:latin typeface="+mn-lt"/>
+                <a:ea typeface="+mn-ea"/>
+                <a:cs typeface="+mn-cs"/>
+              </a:defRPr>
+            </a:lvl2pPr>
+            <a:lvl3pPr marL="1143000" indent="-228600" algn="l" defTabSz="457200" rtl="0" eaLnBrk="1" latinLnBrk="0" hangingPunct="1">
+              <a:spcBef>
+                <a:spcPts val="1000"/>
+              </a:spcBef>
+              <a:spcAft>
+                <a:spcPts val="0"/>
+              </a:spcAft>
+              <a:buClr>
+                <a:schemeClr val="accent1"/>
+              </a:buClr>
+              <a:buSzPct val="80000"/>
+              <a:buFont typeface="Wingdings 3" charset="2"/>
+              <a:buChar char=""/>
+              <a:defRPr sz="1400" kern="1200">
+                <a:solidFill>
+                  <a:schemeClr val="tx1">
+                    <a:lumMod val="75000"/>
+                    <a:lumOff val="25000"/>
+                  </a:schemeClr>
+                </a:solidFill>
+                <a:latin typeface="+mn-lt"/>
+                <a:ea typeface="+mn-ea"/>
+                <a:cs typeface="+mn-cs"/>
+              </a:defRPr>
+            </a:lvl3pPr>
+            <a:lvl4pPr marL="1600200" indent="-228600" algn="l" defTabSz="457200" rtl="0" eaLnBrk="1" latinLnBrk="0" hangingPunct="1">
+              <a:spcBef>
+                <a:spcPts val="1000"/>
+              </a:spcBef>
+              <a:spcAft>
+                <a:spcPts val="0"/>
+              </a:spcAft>
+              <a:buClr>
+                <a:schemeClr val="accent1"/>
+              </a:buClr>
+              <a:buSzPct val="80000"/>
+              <a:buFont typeface="Wingdings 3" charset="2"/>
+              <a:buChar char=""/>
+              <a:defRPr sz="1200" kern="1200">
+                <a:solidFill>
+                  <a:schemeClr val="tx1">
+                    <a:lumMod val="75000"/>
+                    <a:lumOff val="25000"/>
+                  </a:schemeClr>
+                </a:solidFill>
+                <a:latin typeface="+mn-lt"/>
+                <a:ea typeface="+mn-ea"/>
+                <a:cs typeface="+mn-cs"/>
+              </a:defRPr>
+            </a:lvl4pPr>
+            <a:lvl5pPr marL="2057400" indent="-228600" algn="l" defTabSz="457200" rtl="0" eaLnBrk="1" latinLnBrk="0" hangingPunct="1">
+              <a:spcBef>
+                <a:spcPts val="1000"/>
+              </a:spcBef>
+              <a:spcAft>
+                <a:spcPts val="0"/>
+              </a:spcAft>
+              <a:buClr>
+                <a:schemeClr val="accent1"/>
+              </a:buClr>
+              <a:buSzPct val="80000"/>
+              <a:buFont typeface="Wingdings 3" charset="2"/>
+              <a:buChar char=""/>
+              <a:defRPr sz="1200" kern="1200">
+                <a:solidFill>
+                  <a:schemeClr val="tx1">
+                    <a:lumMod val="75000"/>
+                    <a:lumOff val="25000"/>
+                  </a:schemeClr>
+                </a:solidFill>
+                <a:latin typeface="+mn-lt"/>
+                <a:ea typeface="+mn-ea"/>
+                <a:cs typeface="+mn-cs"/>
+              </a:defRPr>
+            </a:lvl5pPr>
+            <a:lvl6pPr marL="2514600" indent="-228600" algn="l" defTabSz="457200" rtl="0" eaLnBrk="1" latinLnBrk="0" hangingPunct="1">
+              <a:spcBef>
+                <a:spcPts val="1000"/>
+              </a:spcBef>
+              <a:spcAft>
+                <a:spcPts val="0"/>
+              </a:spcAft>
+              <a:buClr>
+                <a:schemeClr val="accent1"/>
+              </a:buClr>
+              <a:buSzPct val="80000"/>
+              <a:buFont typeface="Wingdings 3" charset="2"/>
+              <a:buChar char=""/>
+              <a:defRPr sz="1200" kern="1200">
+                <a:solidFill>
+                  <a:schemeClr val="tx1">
+                    <a:lumMod val="75000"/>
+                    <a:lumOff val="25000"/>
+                  </a:schemeClr>
+                </a:solidFill>
+                <a:latin typeface="+mn-lt"/>
+                <a:ea typeface="+mn-ea"/>
+                <a:cs typeface="+mn-cs"/>
+              </a:defRPr>
+            </a:lvl6pPr>
+            <a:lvl7pPr marL="2971800" indent="-228600" algn="l" defTabSz="457200" rtl="0" eaLnBrk="1" latinLnBrk="0" hangingPunct="1">
+              <a:spcBef>
+                <a:spcPts val="1000"/>
+              </a:spcBef>
+              <a:spcAft>
+                <a:spcPts val="0"/>
+              </a:spcAft>
+              <a:buClr>
+                <a:schemeClr val="accent1"/>
+              </a:buClr>
+              <a:buSzPct val="80000"/>
+              <a:buFont typeface="Wingdings 3" charset="2"/>
+              <a:buChar char=""/>
+              <a:defRPr sz="1200" kern="1200">
+                <a:solidFill>
+                  <a:schemeClr val="tx1">
+                    <a:lumMod val="75000"/>
+                    <a:lumOff val="25000"/>
+                  </a:schemeClr>
+                </a:solidFill>
+                <a:latin typeface="+mn-lt"/>
+                <a:ea typeface="+mn-ea"/>
+                <a:cs typeface="+mn-cs"/>
+              </a:defRPr>
+            </a:lvl7pPr>
+            <a:lvl8pPr marL="3429000" indent="-228600" algn="l" defTabSz="457200" rtl="0" eaLnBrk="1" latinLnBrk="0" hangingPunct="1">
+              <a:spcBef>
+                <a:spcPts val="1000"/>
+              </a:spcBef>
+              <a:spcAft>
+                <a:spcPts val="0"/>
+              </a:spcAft>
+              <a:buClr>
+                <a:schemeClr val="accent1"/>
+              </a:buClr>
+              <a:buSzPct val="80000"/>
+              <a:buFont typeface="Wingdings 3" charset="2"/>
+              <a:buChar char=""/>
+              <a:defRPr sz="1200" kern="1200">
+                <a:solidFill>
+                  <a:schemeClr val="tx1">
+                    <a:lumMod val="75000"/>
+                    <a:lumOff val="25000"/>
+                  </a:schemeClr>
+                </a:solidFill>
+                <a:latin typeface="+mn-lt"/>
+                <a:ea typeface="+mn-ea"/>
+                <a:cs typeface="+mn-cs"/>
+              </a:defRPr>
+            </a:lvl8pPr>
+            <a:lvl9pPr marL="3886200" indent="-228600" algn="l" defTabSz="457200" rtl="0" eaLnBrk="1" latinLnBrk="0" hangingPunct="1">
+              <a:spcBef>
+                <a:spcPts val="1000"/>
+              </a:spcBef>
+              <a:spcAft>
+                <a:spcPts val="0"/>
+              </a:spcAft>
+              <a:buClr>
+                <a:schemeClr val="accent1"/>
+              </a:buClr>
+              <a:buSzPct val="80000"/>
+              <a:buFont typeface="Wingdings 3" charset="2"/>
+              <a:buChar char=""/>
+              <a:defRPr sz="1200" kern="1200">
+                <a:solidFill>
+                  <a:schemeClr val="tx1">
+                    <a:lumMod val="75000"/>
+                    <a:lumOff val="25000"/>
+                  </a:schemeClr>
+                </a:solidFill>
+                <a:latin typeface="+mn-lt"/>
+                <a:ea typeface="+mn-ea"/>
+                <a:cs typeface="+mn-cs"/>
+              </a:defRPr>
+            </a:lvl9pPr>
+          </a:lstStyle>
+          <a:p>
+            <a:pPr lvl="1"/>
+            <a:r>
+              <a:rPr lang="it-IT" smtClean="0"/>
+              <a:t>Akıllı </a:t>
+            </a:r>
+            <a:r>
+              <a:rPr lang="it-IT" smtClean="0"/>
+              <a:t>kontratları kendi özel ağınızda da yayınlayabilirsiniz. </a:t>
+            </a:r>
+          </a:p>
+          <a:p>
+            <a:pPr lvl="1"/>
+            <a:r>
+              <a:rPr lang="it-IT" smtClean="0"/>
+              <a:t>Açık kaynak kodlar kullanılarak veya yüklemeye hazır setup programlar ile kendi NEO ağınızı oluşturabilirsiniz. </a:t>
+            </a:r>
+          </a:p>
+          <a:p>
+            <a:pPr lvl="1"/>
+            <a:r>
+              <a:rPr lang="it-IT" smtClean="0"/>
+              <a:t>Genesis blok ile istediğiniz kadar NEO ve GAS tanımlayabilir, istediğiniz şekilde dağıtabilirsiniz. </a:t>
+            </a:r>
+          </a:p>
+          <a:p>
+            <a:pPr lvl="1"/>
+            <a:r>
+              <a:rPr lang="it-IT" smtClean="0"/>
+              <a:t>Sadece test amaçlı değil, gerçek uygulamalar için de kullanılabilir bir blokzincir ağı. </a:t>
+            </a:r>
+          </a:p>
+          <a:p>
+            <a:pPr lvl="1"/>
+            <a:r>
+              <a:rPr lang="it-IT" smtClean="0"/>
+              <a:t>İstediğiniz kadar düğüm tanımlayıp, oylama sistemine dahil edebilirsiniz. </a:t>
+            </a:r>
+            <a:endParaRPr lang="it-IT"/>
+          </a:p>
+          <a:p>
+            <a:pPr lvl="1"/>
+            <a:r>
+              <a:rPr lang="it-IT"/>
+              <a:t>Ağ üzerinde tanımlanabilecek Global varlıklar geçerli bir token olarak borsalara çıkabilir</a:t>
+            </a:r>
+            <a:r>
+              <a:rPr lang="it-IT"/>
+              <a:t>. </a:t>
+            </a:r>
+            <a:endParaRPr lang="it-IT" smtClean="0"/>
+          </a:p>
+          <a:p>
+            <a:pPr lvl="1"/>
+            <a:r>
+              <a:rPr lang="it-IT" smtClean="0"/>
+              <a:t>Geliştirilen akıllı kontratlarda bu ağ üzerinden aynı NEO GUI ile yayınlanabilir. </a:t>
+            </a:r>
+          </a:p>
+          <a:p>
+            <a:pPr lvl="1"/>
+            <a:r>
+              <a:rPr lang="it-IT" smtClean="0"/>
+              <a:t>Akıllı kontratların çalışması için gerekli olan ücretleri kendiniz belirleyebilir, kaldırablirsiniz. </a:t>
+            </a:r>
+            <a:endParaRPr lang="it-IT" smtClean="0"/>
+          </a:p>
+        </p:txBody>
+      </p:sp>
+    </p:spTree>
+    <p:extLst>
+      <p:ext uri="{BB962C8B-B14F-4D97-AF65-F5344CB8AC3E}">
+        <p14:creationId xmlns:p14="http://schemas.microsoft.com/office/powerpoint/2010/main" val="2953867968"/>
+      </p:ext>
+    </p:extLst>
+  </p:cSld>
+  <p:clrMapOvr>
+    <a:masterClrMapping/>
+  </p:clrMapOvr>
+  <mc:AlternateContent xmlns:mc="http://schemas.openxmlformats.org/markup-compatibility/2006" xmlns:p14="http://schemas.microsoft.com/office/powerpoint/2010/main">
+    <mc:Choice Requires="p14">
+      <p:transition spd="med" p14:dur="700">
+        <p:fade/>
+      </p:transition>
+    </mc:Choice>
+    <mc:Fallback xmlns="">
+      <p:transition spd="med">
+        <p:fade/>
+      </p:transition>
+    </mc:Fallback>
+  </mc:AlternateContent>
+  <p:timing>
+    <p:tnLst>
+      <p:par>
+        <p:cTn id="1" dur="indefinite" restart="never" nodeType="tmRoot"/>
+      </p:par>
+    </p:tnLst>
+  </p:timing>
+</p:sld>
+</file>
+
+<file path=ppt/slides/slide23.xml><?xml version="1.0" encoding="utf-8"?>
+<p:sld xmlns:a="http://schemas.openxmlformats.org/drawingml/2006/main" xmlns:r="http://schemas.openxmlformats.org/officeDocument/2006/relationships" xmlns:p="http://schemas.openxmlformats.org/presentationml/2006/main">
+  <p:cSld>
+    <p:spTree>
+      <p:nvGrpSpPr>
+        <p:cNvPr id="1" name=""/>
+        <p:cNvGrpSpPr/>
+        <p:nvPr/>
+      </p:nvGrpSpPr>
+      <p:grpSpPr>
+        <a:xfrm>
+          <a:off x="0" y="0"/>
+          <a:ext cx="0" cy="0"/>
+          <a:chOff x="0" y="0"/>
+          <a:chExt cx="0" cy="0"/>
+        </a:xfrm>
+      </p:grpSpPr>
+      <p:sp>
+        <p:nvSpPr>
+          <p:cNvPr id="3" name="Title 2">
+            <a:extLst>
+              <a:ext uri="{FF2B5EF4-FFF2-40B4-BE49-F238E27FC236}">
+                <a16:creationId xmlns:a16="http://schemas.microsoft.com/office/drawing/2014/main" id="{EA211189-7E86-4A7E-9C06-FD71B2F449B5}"/>
+              </a:ext>
+            </a:extLst>
+          </p:cNvPr>
+          <p:cNvSpPr>
+            <a:spLocks noGrp="1"/>
+          </p:cNvSpPr>
+          <p:nvPr>
+            <p:ph type="title"/>
+          </p:nvPr>
+        </p:nvSpPr>
+        <p:spPr>
+          <a:xfrm>
+            <a:off x="677334" y="609600"/>
+            <a:ext cx="11209866" cy="1320800"/>
+          </a:xfrm>
+        </p:spPr>
+        <p:txBody>
+          <a:bodyPr/>
+          <a:lstStyle/>
+          <a:p>
+            <a:r>
+              <a:rPr lang="en-CA">
+                <a:solidFill>
+                  <a:srgbClr val="90C226"/>
+                </a:solidFill>
+              </a:rPr>
+              <a:t>Akıllı </a:t>
+            </a:r>
+            <a:r>
+              <a:rPr lang="en-CA" smtClean="0">
+                <a:solidFill>
+                  <a:srgbClr val="90C226"/>
+                </a:solidFill>
+              </a:rPr>
+              <a:t>Kontraların </a:t>
+            </a:r>
+            <a:r>
+              <a:rPr lang="en-CA">
+                <a:solidFill>
+                  <a:srgbClr val="90C226"/>
+                </a:solidFill>
+              </a:rPr>
+              <a:t>Yayınlanması – </a:t>
+            </a:r>
+            <a:r>
+              <a:rPr lang="en-CA" smtClean="0">
+                <a:solidFill>
+                  <a:srgbClr val="90C226"/>
+                </a:solidFill>
+              </a:rPr>
+              <a:t>Özel Ağ </a:t>
+            </a:r>
+            <a:endParaRPr lang="en-CA">
+              <a:solidFill>
+                <a:srgbClr val="90C226"/>
+              </a:solidFill>
+            </a:endParaRPr>
+          </a:p>
+        </p:txBody>
+      </p:sp>
+      <p:pic>
+        <p:nvPicPr>
+          <p:cNvPr id="2" name="Picture 1"/>
+          <p:cNvPicPr>
+            <a:picLocks noChangeAspect="1"/>
+          </p:cNvPicPr>
+          <p:nvPr/>
+        </p:nvPicPr>
+        <p:blipFill>
+          <a:blip r:embed="rId3">
+            <a:extLst>
+              <a:ext uri="{28A0092B-C50C-407E-A947-70E740481C1C}">
+                <a14:useLocalDpi xmlns:a14="http://schemas.microsoft.com/office/drawing/2010/main" val="0"/>
+              </a:ext>
+            </a:extLst>
+          </a:blip>
+          <a:stretch>
+            <a:fillRect/>
+          </a:stretch>
+        </p:blipFill>
+        <p:spPr>
+          <a:xfrm>
+            <a:off x="6844255" y="3258005"/>
+            <a:ext cx="4304714" cy="3256165"/>
+          </a:xfrm>
+          <a:prstGeom prst="rect">
+            <a:avLst/>
+          </a:prstGeom>
+          <a:ln>
+            <a:noFill/>
+          </a:ln>
+          <a:effectLst>
+            <a:outerShdw blurRad="292100" dist="139700" dir="2700000" algn="tl" rotWithShape="0">
+              <a:srgbClr val="333333">
+                <a:alpha val="65000"/>
+              </a:srgbClr>
+            </a:outerShdw>
+          </a:effectLst>
+        </p:spPr>
+      </p:pic>
+      <p:pic>
+        <p:nvPicPr>
+          <p:cNvPr id="4" name="Picture 3"/>
+          <p:cNvPicPr>
+            <a:picLocks noChangeAspect="1"/>
+          </p:cNvPicPr>
+          <p:nvPr/>
+        </p:nvPicPr>
+        <p:blipFill>
+          <a:blip r:embed="rId4">
+            <a:extLst>
+              <a:ext uri="{28A0092B-C50C-407E-A947-70E740481C1C}">
+                <a14:useLocalDpi xmlns:a14="http://schemas.microsoft.com/office/drawing/2010/main" val="0"/>
+              </a:ext>
+            </a:extLst>
+          </a:blip>
+          <a:stretch>
+            <a:fillRect/>
+          </a:stretch>
+        </p:blipFill>
+        <p:spPr>
+          <a:xfrm>
+            <a:off x="408483" y="1446576"/>
+            <a:ext cx="7285714" cy="1733333"/>
+          </a:xfrm>
+          <a:prstGeom prst="rect">
+            <a:avLst/>
+          </a:prstGeom>
+          <a:ln>
+            <a:noFill/>
+          </a:ln>
+          <a:effectLst>
+            <a:outerShdw blurRad="292100" dist="139700" dir="2700000" algn="tl" rotWithShape="0">
+              <a:srgbClr val="333333">
+                <a:alpha val="65000"/>
+              </a:srgbClr>
+            </a:outerShdw>
+          </a:effectLst>
+        </p:spPr>
+      </p:pic>
+      <p:pic>
+        <p:nvPicPr>
+          <p:cNvPr id="5" name="Picture 4"/>
+          <p:cNvPicPr>
+            <a:picLocks noChangeAspect="1"/>
+          </p:cNvPicPr>
+          <p:nvPr/>
+        </p:nvPicPr>
+        <p:blipFill>
+          <a:blip r:embed="rId5">
+            <a:extLst>
+              <a:ext uri="{28A0092B-C50C-407E-A947-70E740481C1C}">
+                <a14:useLocalDpi xmlns:a14="http://schemas.microsoft.com/office/drawing/2010/main" val="0"/>
+              </a:ext>
+            </a:extLst>
+          </a:blip>
+          <a:stretch>
+            <a:fillRect/>
+          </a:stretch>
+        </p:blipFill>
+        <p:spPr>
+          <a:xfrm>
+            <a:off x="408483" y="3258005"/>
+            <a:ext cx="6277543" cy="3256165"/>
+          </a:xfrm>
+          <a:prstGeom prst="rect">
+            <a:avLst/>
+          </a:prstGeom>
+          <a:ln>
+            <a:noFill/>
+          </a:ln>
+          <a:effectLst>
+            <a:outerShdw blurRad="292100" dist="139700" dir="2700000" algn="tl" rotWithShape="0">
+              <a:srgbClr val="333333">
+                <a:alpha val="65000"/>
+              </a:srgbClr>
+            </a:outerShdw>
+          </a:effectLst>
+        </p:spPr>
+      </p:pic>
+      <p:pic>
+        <p:nvPicPr>
+          <p:cNvPr id="6" name="Picture 5"/>
+          <p:cNvPicPr>
+            <a:picLocks noChangeAspect="1"/>
+          </p:cNvPicPr>
+          <p:nvPr/>
+        </p:nvPicPr>
+        <p:blipFill rotWithShape="1">
+          <a:blip r:embed="rId6">
+            <a:extLst>
+              <a:ext uri="{28A0092B-C50C-407E-A947-70E740481C1C}">
+                <a14:useLocalDpi xmlns:a14="http://schemas.microsoft.com/office/drawing/2010/main" val="0"/>
+              </a:ext>
+            </a:extLst>
+          </a:blip>
+          <a:srcRect r="33365"/>
+          <a:stretch/>
+        </p:blipFill>
+        <p:spPr>
+          <a:xfrm>
+            <a:off x="7828824" y="1446576"/>
+            <a:ext cx="3320145" cy="1733333"/>
+          </a:xfrm>
+          <a:prstGeom prst="rect">
+            <a:avLst/>
+          </a:prstGeom>
+          <a:ln>
+            <a:noFill/>
+          </a:ln>
+          <a:effectLst>
+            <a:outerShdw blurRad="292100" dist="139700" dir="2700000" algn="tl" rotWithShape="0">
+              <a:srgbClr val="333333">
+                <a:alpha val="65000"/>
+              </a:srgbClr>
+            </a:outerShdw>
+          </a:effectLst>
+        </p:spPr>
+      </p:pic>
+    </p:spTree>
+    <p:extLst>
+      <p:ext uri="{BB962C8B-B14F-4D97-AF65-F5344CB8AC3E}">
+        <p14:creationId xmlns:p14="http://schemas.microsoft.com/office/powerpoint/2010/main" val="2070840279"/>
+      </p:ext>
+    </p:extLst>
+  </p:cSld>
+  <p:clrMapOvr>
+    <a:masterClrMapping/>
+  </p:clrMapOvr>
+  <mc:AlternateContent xmlns:mc="http://schemas.openxmlformats.org/markup-compatibility/2006" xmlns:p14="http://schemas.microsoft.com/office/powerpoint/2010/main">
+    <mc:Choice Requires="p14">
+      <p:transition spd="med" p14:dur="700">
+        <p:fade/>
+      </p:transition>
+    </mc:Choice>
+    <mc:Fallback xmlns="">
+      <p:transition spd="med">
+        <p:fade/>
+      </p:transition>
+    </mc:Fallback>
+  </mc:AlternateContent>
+  <p:timing>
+    <p:tnLst>
+      <p:par>
+        <p:cTn id="1" dur="indefinite" restart="never" nodeType="tmRoot"/>
+      </p:par>
+    </p:tnLst>
+  </p:timing>
+</p:sld>
+</file>
+
+<file path=ppt/slides/slide24.xml><?xml version="1.0" encoding="utf-8"?>
+<p:sld xmlns:a="http://schemas.openxmlformats.org/drawingml/2006/main" xmlns:r="http://schemas.openxmlformats.org/officeDocument/2006/relationships" xmlns:p="http://schemas.openxmlformats.org/presentationml/2006/main">
+  <p:cSld>
+    <p:spTree>
+      <p:nvGrpSpPr>
+        <p:cNvPr id="1" name=""/>
+        <p:cNvGrpSpPr/>
+        <p:nvPr/>
+      </p:nvGrpSpPr>
+      <p:grpSpPr>
+        <a:xfrm>
+          <a:off x="0" y="0"/>
+          <a:ext cx="0" cy="0"/>
+          <a:chOff x="0" y="0"/>
+          <a:chExt cx="0" cy="0"/>
+        </a:xfrm>
+      </p:grpSpPr>
+      <p:sp>
+        <p:nvSpPr>
+          <p:cNvPr id="3" name="Title 2">
+            <a:extLst>
+              <a:ext uri="{FF2B5EF4-FFF2-40B4-BE49-F238E27FC236}">
+                <a16:creationId xmlns:a16="http://schemas.microsoft.com/office/drawing/2014/main" id="{EA211189-7E86-4A7E-9C06-FD71B2F449B5}"/>
+              </a:ext>
+            </a:extLst>
+          </p:cNvPr>
+          <p:cNvSpPr>
+            <a:spLocks noGrp="1"/>
+          </p:cNvSpPr>
+          <p:nvPr>
+            <p:ph type="title"/>
+          </p:nvPr>
+        </p:nvSpPr>
+        <p:spPr>
+          <a:xfrm>
+            <a:off x="677334" y="609600"/>
+            <a:ext cx="11209866" cy="1320800"/>
+          </a:xfrm>
+        </p:spPr>
+        <p:txBody>
+          <a:bodyPr/>
+          <a:lstStyle/>
+          <a:p>
+            <a:r>
+              <a:rPr lang="en-CA">
+                <a:solidFill>
+                  <a:srgbClr val="90C226"/>
+                </a:solidFill>
+              </a:rPr>
+              <a:t>Akıllı </a:t>
+            </a:r>
+            <a:r>
+              <a:rPr lang="en-CA" smtClean="0">
+                <a:solidFill>
+                  <a:srgbClr val="90C226"/>
+                </a:solidFill>
+              </a:rPr>
+              <a:t>Kontraların </a:t>
+            </a:r>
+            <a:r>
+              <a:rPr lang="en-CA">
+                <a:solidFill>
+                  <a:srgbClr val="90C226"/>
+                </a:solidFill>
+              </a:rPr>
+              <a:t>Yayınlanması – </a:t>
+            </a:r>
+            <a:r>
+              <a:rPr lang="en-CA" smtClean="0">
+                <a:solidFill>
+                  <a:srgbClr val="90C226"/>
+                </a:solidFill>
+              </a:rPr>
+              <a:t>Özel Ağ </a:t>
+            </a:r>
+            <a:endParaRPr lang="en-CA">
+              <a:solidFill>
+                <a:srgbClr val="90C226"/>
+              </a:solidFill>
+            </a:endParaRPr>
+          </a:p>
+        </p:txBody>
+      </p:sp>
+      <p:pic>
+        <p:nvPicPr>
+          <p:cNvPr id="6" name="Picture 5"/>
+          <p:cNvPicPr>
+            <a:picLocks noChangeAspect="1"/>
+          </p:cNvPicPr>
+          <p:nvPr/>
+        </p:nvPicPr>
+        <p:blipFill>
+          <a:blip r:embed="rId3">
+            <a:extLst>
+              <a:ext uri="{28A0092B-C50C-407E-A947-70E740481C1C}">
+                <a14:useLocalDpi xmlns:a14="http://schemas.microsoft.com/office/drawing/2010/main" val="0"/>
+              </a:ext>
+            </a:extLst>
+          </a:blip>
+          <a:stretch>
+            <a:fillRect/>
+          </a:stretch>
+        </p:blipFill>
+        <p:spPr>
+          <a:xfrm>
+            <a:off x="2456897" y="1270000"/>
+            <a:ext cx="7650740" cy="5393559"/>
+          </a:xfrm>
+          <a:prstGeom prst="rect">
+            <a:avLst/>
+          </a:prstGeom>
+        </p:spPr>
+      </p:pic>
+    </p:spTree>
+    <p:extLst>
+      <p:ext uri="{BB962C8B-B14F-4D97-AF65-F5344CB8AC3E}">
+        <p14:creationId xmlns:p14="http://schemas.microsoft.com/office/powerpoint/2010/main" val="1413983536"/>
+      </p:ext>
+    </p:extLst>
+  </p:cSld>
+  <p:clrMapOvr>
+    <a:masterClrMapping/>
+  </p:clrMapOvr>
+  <mc:AlternateContent xmlns:mc="http://schemas.openxmlformats.org/markup-compatibility/2006" xmlns:p14="http://schemas.microsoft.com/office/powerpoint/2010/main">
+    <mc:Choice Requires="p14">
+      <p:transition spd="med" p14:dur="700">
+        <p:fade/>
+      </p:transition>
+    </mc:Choice>
+    <mc:Fallback xmlns="">
+      <p:transition spd="med">
+        <p:fade/>
+      </p:transition>
+    </mc:Fallback>
+  </mc:AlternateContent>
+  <p:timing>
+    <p:tnLst>
+      <p:par>
+        <p:cTn id="1" dur="indefinite" restart="never" nodeType="tmRoot"/>
+      </p:par>
+    </p:tnLst>
+  </p:timing>
+</p:sld>
+</file>
+
+<file path=ppt/slides/slide25.xml><?xml version="1.0" encoding="utf-8"?>
+<p:sld xmlns:a="http://schemas.openxmlformats.org/drawingml/2006/main" xmlns:r="http://schemas.openxmlformats.org/officeDocument/2006/relationships" xmlns:p="http://schemas.openxmlformats.org/presentationml/2006/main">
+  <p:cSld>
+    <p:spTree>
+      <p:nvGrpSpPr>
+        <p:cNvPr id="1" name=""/>
+        <p:cNvGrpSpPr/>
+        <p:nvPr/>
+      </p:nvGrpSpPr>
+      <p:grpSpPr>
+        <a:xfrm>
+          <a:off x="0" y="0"/>
+          <a:ext cx="0" cy="0"/>
+          <a:chOff x="0" y="0"/>
+          <a:chExt cx="0" cy="0"/>
+        </a:xfrm>
+      </p:grpSpPr>
+      <p:sp>
+        <p:nvSpPr>
+          <p:cNvPr id="3" name="Title 2">
+            <a:extLst>
+              <a:ext uri="{FF2B5EF4-FFF2-40B4-BE49-F238E27FC236}">
+                <a16:creationId xmlns:a16="http://schemas.microsoft.com/office/drawing/2014/main" id="{EA211189-7E86-4A7E-9C06-FD71B2F449B5}"/>
+              </a:ext>
+            </a:extLst>
+          </p:cNvPr>
+          <p:cNvSpPr>
+            <a:spLocks noGrp="1"/>
+          </p:cNvSpPr>
+          <p:nvPr>
+            <p:ph type="title"/>
+          </p:nvPr>
+        </p:nvSpPr>
+        <p:spPr>
+          <a:xfrm>
+            <a:off x="677334" y="609600"/>
+            <a:ext cx="11209866" cy="1320800"/>
+          </a:xfrm>
+        </p:spPr>
+        <p:txBody>
+          <a:bodyPr/>
+          <a:lstStyle/>
+          <a:p>
+            <a:r>
+              <a:rPr lang="en-CA">
+                <a:solidFill>
+                  <a:srgbClr val="90C226"/>
+                </a:solidFill>
+              </a:rPr>
+              <a:t>Akıllı </a:t>
+            </a:r>
+            <a:r>
+              <a:rPr lang="en-CA" smtClean="0">
+                <a:solidFill>
+                  <a:srgbClr val="90C226"/>
+                </a:solidFill>
+              </a:rPr>
+              <a:t>Kontratların </a:t>
+            </a:r>
+            <a:r>
+              <a:rPr lang="en-CA">
+                <a:solidFill>
+                  <a:srgbClr val="90C226"/>
+                </a:solidFill>
+              </a:rPr>
+              <a:t>Yayınlanması – </a:t>
+            </a:r>
+            <a:r>
+              <a:rPr lang="en-CA" smtClean="0">
+                <a:solidFill>
+                  <a:srgbClr val="90C226"/>
+                </a:solidFill>
+              </a:rPr>
+              <a:t>Docker</a:t>
+            </a:r>
+            <a:endParaRPr lang="en-CA">
+              <a:solidFill>
+                <a:srgbClr val="90C226"/>
+              </a:solidFill>
+            </a:endParaRPr>
+          </a:p>
+        </p:txBody>
+      </p:sp>
+      <p:sp>
+        <p:nvSpPr>
+          <p:cNvPr id="15" name="Content Placeholder 2">
+            <a:extLst>
+              <a:ext uri="{FF2B5EF4-FFF2-40B4-BE49-F238E27FC236}">
+                <a16:creationId xmlns:a16="http://schemas.microsoft.com/office/drawing/2014/main" id="{7019A0A9-E403-4795-9F88-DB86835D1E73}"/>
+              </a:ext>
+            </a:extLst>
+          </p:cNvPr>
+          <p:cNvSpPr txBox="1">
+            <a:spLocks/>
+          </p:cNvSpPr>
+          <p:nvPr/>
+        </p:nvSpPr>
+        <p:spPr>
+          <a:xfrm>
+            <a:off x="677334" y="1801907"/>
+            <a:ext cx="6536266" cy="4239456"/>
+          </a:xfrm>
+          <a:prstGeom prst="rect">
+            <a:avLst/>
+          </a:prstGeom>
+        </p:spPr>
+        <p:txBody>
+          <a:bodyPr>
+            <a:normAutofit/>
+          </a:bodyPr>
+          <a:lstStyle>
+            <a:lvl1pPr marL="342900" indent="-342900" algn="l" defTabSz="457200" rtl="0" eaLnBrk="1" latinLnBrk="0" hangingPunct="1">
+              <a:spcBef>
+                <a:spcPts val="1000"/>
+              </a:spcBef>
+              <a:spcAft>
+                <a:spcPts val="0"/>
+              </a:spcAft>
+              <a:buClr>
+                <a:schemeClr val="accent1"/>
+              </a:buClr>
+              <a:buSzPct val="80000"/>
+              <a:buFont typeface="Wingdings 3" charset="2"/>
+              <a:buChar char=""/>
+              <a:defRPr sz="1800" kern="1200">
+                <a:solidFill>
+                  <a:schemeClr val="tx1">
+                    <a:lumMod val="75000"/>
+                    <a:lumOff val="25000"/>
+                  </a:schemeClr>
+                </a:solidFill>
+                <a:latin typeface="+mn-lt"/>
+                <a:ea typeface="+mn-ea"/>
+                <a:cs typeface="+mn-cs"/>
+              </a:defRPr>
+            </a:lvl1pPr>
+            <a:lvl2pPr marL="742950" indent="-285750" algn="l" defTabSz="457200" rtl="0" eaLnBrk="1" latinLnBrk="0" hangingPunct="1">
+              <a:spcBef>
+                <a:spcPts val="1000"/>
+              </a:spcBef>
+              <a:spcAft>
+                <a:spcPts val="0"/>
+              </a:spcAft>
+              <a:buClr>
+                <a:schemeClr val="accent1"/>
+              </a:buClr>
+              <a:buSzPct val="80000"/>
+              <a:buFont typeface="Wingdings 3" charset="2"/>
+              <a:buChar char=""/>
+              <a:defRPr sz="1600" kern="1200">
+                <a:solidFill>
+                  <a:schemeClr val="tx1">
+                    <a:lumMod val="75000"/>
+                    <a:lumOff val="25000"/>
+                  </a:schemeClr>
+                </a:solidFill>
+                <a:latin typeface="+mn-lt"/>
+                <a:ea typeface="+mn-ea"/>
+                <a:cs typeface="+mn-cs"/>
+              </a:defRPr>
+            </a:lvl2pPr>
+            <a:lvl3pPr marL="1143000" indent="-228600" algn="l" defTabSz="457200" rtl="0" eaLnBrk="1" latinLnBrk="0" hangingPunct="1">
+              <a:spcBef>
+                <a:spcPts val="1000"/>
+              </a:spcBef>
+              <a:spcAft>
+                <a:spcPts val="0"/>
+              </a:spcAft>
+              <a:buClr>
+                <a:schemeClr val="accent1"/>
+              </a:buClr>
+              <a:buSzPct val="80000"/>
+              <a:buFont typeface="Wingdings 3" charset="2"/>
+              <a:buChar char=""/>
+              <a:defRPr sz="1400" kern="1200">
+                <a:solidFill>
+                  <a:schemeClr val="tx1">
+                    <a:lumMod val="75000"/>
+                    <a:lumOff val="25000"/>
+                  </a:schemeClr>
+                </a:solidFill>
+                <a:latin typeface="+mn-lt"/>
+                <a:ea typeface="+mn-ea"/>
+                <a:cs typeface="+mn-cs"/>
+              </a:defRPr>
+            </a:lvl3pPr>
+            <a:lvl4pPr marL="1600200" indent="-228600" algn="l" defTabSz="457200" rtl="0" eaLnBrk="1" latinLnBrk="0" hangingPunct="1">
+              <a:spcBef>
+                <a:spcPts val="1000"/>
+              </a:spcBef>
+              <a:spcAft>
+                <a:spcPts val="0"/>
+              </a:spcAft>
+              <a:buClr>
+                <a:schemeClr val="accent1"/>
+              </a:buClr>
+              <a:buSzPct val="80000"/>
+              <a:buFont typeface="Wingdings 3" charset="2"/>
+              <a:buChar char=""/>
+              <a:defRPr sz="1200" kern="1200">
+                <a:solidFill>
+                  <a:schemeClr val="tx1">
+                    <a:lumMod val="75000"/>
+                    <a:lumOff val="25000"/>
+                  </a:schemeClr>
+                </a:solidFill>
+                <a:latin typeface="+mn-lt"/>
+                <a:ea typeface="+mn-ea"/>
+                <a:cs typeface="+mn-cs"/>
+              </a:defRPr>
+            </a:lvl4pPr>
+            <a:lvl5pPr marL="2057400" indent="-228600" algn="l" defTabSz="457200" rtl="0" eaLnBrk="1" latinLnBrk="0" hangingPunct="1">
+              <a:spcBef>
+                <a:spcPts val="1000"/>
+              </a:spcBef>
+              <a:spcAft>
+                <a:spcPts val="0"/>
+              </a:spcAft>
+              <a:buClr>
+                <a:schemeClr val="accent1"/>
+              </a:buClr>
+              <a:buSzPct val="80000"/>
+              <a:buFont typeface="Wingdings 3" charset="2"/>
+              <a:buChar char=""/>
+              <a:defRPr sz="1200" kern="1200">
+                <a:solidFill>
+                  <a:schemeClr val="tx1">
+                    <a:lumMod val="75000"/>
+                    <a:lumOff val="25000"/>
+                  </a:schemeClr>
+                </a:solidFill>
+                <a:latin typeface="+mn-lt"/>
+                <a:ea typeface="+mn-ea"/>
+                <a:cs typeface="+mn-cs"/>
+              </a:defRPr>
+            </a:lvl5pPr>
+            <a:lvl6pPr marL="2514600" indent="-228600" algn="l" defTabSz="457200" rtl="0" eaLnBrk="1" latinLnBrk="0" hangingPunct="1">
+              <a:spcBef>
+                <a:spcPts val="1000"/>
+              </a:spcBef>
+              <a:spcAft>
+                <a:spcPts val="0"/>
+              </a:spcAft>
+              <a:buClr>
+                <a:schemeClr val="accent1"/>
+              </a:buClr>
+              <a:buSzPct val="80000"/>
+              <a:buFont typeface="Wingdings 3" charset="2"/>
+              <a:buChar char=""/>
+              <a:defRPr sz="1200" kern="1200">
+                <a:solidFill>
+                  <a:schemeClr val="tx1">
+                    <a:lumMod val="75000"/>
+                    <a:lumOff val="25000"/>
+                  </a:schemeClr>
+                </a:solidFill>
+                <a:latin typeface="+mn-lt"/>
+                <a:ea typeface="+mn-ea"/>
+                <a:cs typeface="+mn-cs"/>
+              </a:defRPr>
+            </a:lvl6pPr>
+            <a:lvl7pPr marL="2971800" indent="-228600" algn="l" defTabSz="457200" rtl="0" eaLnBrk="1" latinLnBrk="0" hangingPunct="1">
+              <a:spcBef>
+                <a:spcPts val="1000"/>
+              </a:spcBef>
+              <a:spcAft>
+                <a:spcPts val="0"/>
+              </a:spcAft>
+              <a:buClr>
+                <a:schemeClr val="accent1"/>
+              </a:buClr>
+              <a:buSzPct val="80000"/>
+              <a:buFont typeface="Wingdings 3" charset="2"/>
+              <a:buChar char=""/>
+              <a:defRPr sz="1200" kern="1200">
+                <a:solidFill>
+                  <a:schemeClr val="tx1">
+                    <a:lumMod val="75000"/>
+                    <a:lumOff val="25000"/>
+                  </a:schemeClr>
+                </a:solidFill>
+                <a:latin typeface="+mn-lt"/>
+                <a:ea typeface="+mn-ea"/>
+                <a:cs typeface="+mn-cs"/>
+              </a:defRPr>
+            </a:lvl7pPr>
+            <a:lvl8pPr marL="3429000" indent="-228600" algn="l" defTabSz="457200" rtl="0" eaLnBrk="1" latinLnBrk="0" hangingPunct="1">
+              <a:spcBef>
+                <a:spcPts val="1000"/>
+              </a:spcBef>
+              <a:spcAft>
+                <a:spcPts val="0"/>
+              </a:spcAft>
+              <a:buClr>
+                <a:schemeClr val="accent1"/>
+              </a:buClr>
+              <a:buSzPct val="80000"/>
+              <a:buFont typeface="Wingdings 3" charset="2"/>
+              <a:buChar char=""/>
+              <a:defRPr sz="1200" kern="1200">
+                <a:solidFill>
+                  <a:schemeClr val="tx1">
+                    <a:lumMod val="75000"/>
+                    <a:lumOff val="25000"/>
+                  </a:schemeClr>
+                </a:solidFill>
+                <a:latin typeface="+mn-lt"/>
+                <a:ea typeface="+mn-ea"/>
+                <a:cs typeface="+mn-cs"/>
+              </a:defRPr>
+            </a:lvl8pPr>
+            <a:lvl9pPr marL="3886200" indent="-228600" algn="l" defTabSz="457200" rtl="0" eaLnBrk="1" latinLnBrk="0" hangingPunct="1">
+              <a:spcBef>
+                <a:spcPts val="1000"/>
+              </a:spcBef>
+              <a:spcAft>
+                <a:spcPts val="0"/>
+              </a:spcAft>
+              <a:buClr>
+                <a:schemeClr val="accent1"/>
+              </a:buClr>
+              <a:buSzPct val="80000"/>
+              <a:buFont typeface="Wingdings 3" charset="2"/>
+              <a:buChar char=""/>
+              <a:defRPr sz="1200" kern="1200">
+                <a:solidFill>
+                  <a:schemeClr val="tx1">
+                    <a:lumMod val="75000"/>
+                    <a:lumOff val="25000"/>
+                  </a:schemeClr>
+                </a:solidFill>
+                <a:latin typeface="+mn-lt"/>
+                <a:ea typeface="+mn-ea"/>
+                <a:cs typeface="+mn-cs"/>
+              </a:defRPr>
+            </a:lvl9pPr>
+          </a:lstStyle>
+          <a:p>
+            <a:pPr lvl="1"/>
+            <a:r>
+              <a:rPr lang="it-IT" smtClean="0"/>
+              <a:t>Server kurulumları ve CLI kurulumlarına gerek kalmadan, çalıştırmaya hazır Docker containerlar kullanılabilir. </a:t>
+            </a:r>
+          </a:p>
+          <a:p>
+            <a:pPr lvl="1"/>
+            <a:r>
+              <a:rPr lang="it-IT" smtClean="0"/>
+              <a:t>Linux üzerinde çalışan, içerisinde 4 adet makinenin kurulumu tamamlanmış şekilde çalıştırmaya hazır. </a:t>
+            </a:r>
+          </a:p>
+          <a:p>
+            <a:pPr lvl="1"/>
+            <a:r>
+              <a:rPr lang="it-IT" smtClean="0"/>
+              <a:t>GAS birikmesi için bir süre çalıştırılmıştır, yüklendiği gibi kullanıma hazır NEO &amp; GAS barındırır. </a:t>
+            </a:r>
+          </a:p>
+          <a:p>
+            <a:pPr lvl="1"/>
+            <a:r>
+              <a:rPr lang="en-US" smtClean="0"/>
+              <a:t>“docker </a:t>
+            </a:r>
+            <a:r>
+              <a:rPr lang="en-US"/>
+              <a:t>run -d --name neo-privnet -p 20333-20336:20333-20336/tcp -</a:t>
+            </a:r>
+            <a:r>
+              <a:rPr lang="en-US"/>
+              <a:t>p </a:t>
+            </a:r>
+            <a:r>
+              <a:rPr lang="en-US" smtClean="0"/>
+              <a:t>30333-30336:30333-30336/tcp”</a:t>
+            </a:r>
+            <a:endParaRPr lang="en-US"/>
+          </a:p>
+          <a:p>
+            <a:pPr lvl="1"/>
+            <a:endParaRPr lang="it-IT" smtClean="0"/>
+          </a:p>
+          <a:p>
+            <a:pPr lvl="1"/>
+            <a:endParaRPr lang="it-IT" smtClean="0"/>
+          </a:p>
+        </p:txBody>
+      </p:sp>
+      <p:pic>
+        <p:nvPicPr>
+          <p:cNvPr id="2" name="Picture 1"/>
+          <p:cNvPicPr>
+            <a:picLocks noChangeAspect="1"/>
+          </p:cNvPicPr>
+          <p:nvPr/>
+        </p:nvPicPr>
+        <p:blipFill rotWithShape="1">
+          <a:blip r:embed="rId3">
+            <a:extLst>
+              <a:ext uri="{28A0092B-C50C-407E-A947-70E740481C1C}">
+                <a14:useLocalDpi xmlns:a14="http://schemas.microsoft.com/office/drawing/2010/main" val="0"/>
+              </a:ext>
+            </a:extLst>
+          </a:blip>
+          <a:srcRect t="-1" r="51484" b="1019"/>
+          <a:stretch/>
+        </p:blipFill>
+        <p:spPr>
+          <a:xfrm>
+            <a:off x="7249720" y="1930400"/>
+            <a:ext cx="4637480" cy="1827349"/>
+          </a:xfrm>
+          <a:prstGeom prst="rect">
+            <a:avLst/>
+          </a:prstGeom>
+        </p:spPr>
+      </p:pic>
+      <p:pic>
+        <p:nvPicPr>
+          <p:cNvPr id="5" name="Picture 4"/>
+          <p:cNvPicPr>
+            <a:picLocks noChangeAspect="1"/>
+          </p:cNvPicPr>
+          <p:nvPr/>
+        </p:nvPicPr>
+        <p:blipFill>
+          <a:blip r:embed="rId4">
+            <a:extLst>
+              <a:ext uri="{28A0092B-C50C-407E-A947-70E740481C1C}">
+                <a14:useLocalDpi xmlns:a14="http://schemas.microsoft.com/office/drawing/2010/main" val="0"/>
+              </a:ext>
+            </a:extLst>
+          </a:blip>
+          <a:stretch>
+            <a:fillRect/>
+          </a:stretch>
+        </p:blipFill>
+        <p:spPr>
+          <a:xfrm>
+            <a:off x="1253066" y="4382626"/>
+            <a:ext cx="10634133" cy="2330042"/>
+          </a:xfrm>
+          <a:prstGeom prst="rect">
+            <a:avLst/>
+          </a:prstGeom>
+        </p:spPr>
+      </p:pic>
+    </p:spTree>
+    <p:extLst>
+      <p:ext uri="{BB962C8B-B14F-4D97-AF65-F5344CB8AC3E}">
+        <p14:creationId xmlns:p14="http://schemas.microsoft.com/office/powerpoint/2010/main" val="173361585"/>
       </p:ext>
     </p:extLst>
   </p:cSld>
@@ -13047,15 +14771,7 @@
             <a:pPr lvl="1"/>
             <a:r>
               <a:rPr lang="it-IT" smtClean="0"/>
-              <a:t>Kullanıcılar birden çok varlık </a:t>
-            </a:r>
-            <a:r>
-              <a:rPr lang="it-IT" smtClean="0"/>
-              <a:t>türünü </a:t>
-            </a:r>
-            <a:r>
-              <a:rPr lang="it-IT" smtClean="0"/>
-              <a:t>kayıt edebilir, takas ve ticaretini yapabilir. </a:t>
+              <a:t>Kullanıcılar birden çok varlık türünü kayıt edebilir, takas ve ticaretini yapabilir. </a:t>
             </a:r>
           </a:p>
           <a:p>
@@ -15641,11 +17357,7 @@
             <a:pPr lvl="1"/>
             <a:r>
               <a:rPr lang="en-US"/>
-              <a:t>(n-1) / 3 adet düğümün hatası tolere edilebilir</a:t>
-            </a:r>
-            <a:r>
-              <a:rPr lang="en-US"/>
-              <a:t>. </a:t>
+              <a:t>(n-1) / 3 adet düğümün hatası tolere edilebilir. </a:t>
             </a:r>
             <a:r>
               <a:rPr lang="en-US" smtClean="0"/>
